--- a/ppt 16-9/0800.回首再回首.pptx
+++ b/ppt 16-9/0800.回首再回首.pptx
@@ -129,7 +129,7 @@
           <p:cNvPr id="2" name="标题 1">
             <a:extLst>
               <a:ext uri="{FF2B5EF4-FFF2-40B4-BE49-F238E27FC236}">
-                <a16:creationId xmlns:a16="http://schemas.microsoft.com/office/drawing/2014/main" id="{D0EBB32F-C377-8B2E-1FD1-9927DD3D2E1E}"/>
+                <a16:creationId xmlns:a16="http://schemas.microsoft.com/office/drawing/2014/main" id="{8CBB7DD0-BFEA-47B3-89DC-5954003721A7}"/>
               </a:ext>
             </a:extLst>
           </p:cNvPr>
@@ -166,7 +166,7 @@
           <p:cNvPr id="3" name="副标题 2">
             <a:extLst>
               <a:ext uri="{FF2B5EF4-FFF2-40B4-BE49-F238E27FC236}">
-                <a16:creationId xmlns:a16="http://schemas.microsoft.com/office/drawing/2014/main" id="{4960942F-14C0-80B4-7334-E66B6E2C3E36}"/>
+                <a16:creationId xmlns:a16="http://schemas.microsoft.com/office/drawing/2014/main" id="{D72DCE57-D49D-A0A9-6164-4156695D8EF3}"/>
               </a:ext>
             </a:extLst>
           </p:cNvPr>
@@ -236,7 +236,7 @@
           <p:cNvPr id="4" name="日期占位符 3">
             <a:extLst>
               <a:ext uri="{FF2B5EF4-FFF2-40B4-BE49-F238E27FC236}">
-                <a16:creationId xmlns:a16="http://schemas.microsoft.com/office/drawing/2014/main" id="{A68D910D-AA70-4DD3-1143-63910B6F7B48}"/>
+                <a16:creationId xmlns:a16="http://schemas.microsoft.com/office/drawing/2014/main" id="{4F2511A0-91C6-61F9-A0A6-7105D21CCDCB}"/>
               </a:ext>
             </a:extLst>
           </p:cNvPr>
@@ -252,7 +252,7 @@
           <a:bodyPr/>
           <a:lstStyle/>
           <a:p>
-            <a:fld id="{1A49AA80-3605-4952-8D35-2671546BDD69}" type="datetimeFigureOut">
+            <a:fld id="{0BEA3221-A97C-4BA6-AF00-0617ADDB30D6}" type="datetimeFigureOut">
               <a:rPr lang="zh-CN" altLang="en-US" smtClean="0"/>
               <a:t>2024/3/10</a:t>
             </a:fld>
@@ -265,7 +265,7 @@
           <p:cNvPr id="5" name="页脚占位符 4">
             <a:extLst>
               <a:ext uri="{FF2B5EF4-FFF2-40B4-BE49-F238E27FC236}">
-                <a16:creationId xmlns:a16="http://schemas.microsoft.com/office/drawing/2014/main" id="{86D9F1F1-8FE8-A016-1538-0D6448089971}"/>
+                <a16:creationId xmlns:a16="http://schemas.microsoft.com/office/drawing/2014/main" id="{2B8E677D-D88F-84E3-ED8B-E6D19DBC57B3}"/>
               </a:ext>
             </a:extLst>
           </p:cNvPr>
@@ -290,7 +290,7 @@
           <p:cNvPr id="6" name="灯片编号占位符 5">
             <a:extLst>
               <a:ext uri="{FF2B5EF4-FFF2-40B4-BE49-F238E27FC236}">
-                <a16:creationId xmlns:a16="http://schemas.microsoft.com/office/drawing/2014/main" id="{9281E661-195E-29AC-82A5-1EE30944B816}"/>
+                <a16:creationId xmlns:a16="http://schemas.microsoft.com/office/drawing/2014/main" id="{EA6AEDAE-1565-EB19-DC32-333E234D6D6C}"/>
               </a:ext>
             </a:extLst>
           </p:cNvPr>
@@ -306,7 +306,7 @@
           <a:bodyPr/>
           <a:lstStyle/>
           <a:p>
-            <a:fld id="{3B3255FA-0253-48C7-9EC7-1B4552A54AD6}" type="slidenum">
+            <a:fld id="{4954B409-10C6-4DB9-A72A-6A8C5201D6E1}" type="slidenum">
               <a:rPr lang="zh-CN" altLang="en-US" smtClean="0"/>
               <a:t>‹#›</a:t>
             </a:fld>
@@ -317,7 +317,7 @@
     </p:spTree>
     <p:extLst>
       <p:ext uri="{BB962C8B-B14F-4D97-AF65-F5344CB8AC3E}">
-        <p14:creationId xmlns:p14="http://schemas.microsoft.com/office/powerpoint/2010/main" val="638498171"/>
+        <p14:creationId xmlns:p14="http://schemas.microsoft.com/office/powerpoint/2010/main" val="1294634621"/>
       </p:ext>
     </p:extLst>
   </p:cSld>
@@ -349,7 +349,7 @@
           <p:cNvPr id="2" name="标题 1">
             <a:extLst>
               <a:ext uri="{FF2B5EF4-FFF2-40B4-BE49-F238E27FC236}">
-                <a16:creationId xmlns:a16="http://schemas.microsoft.com/office/drawing/2014/main" id="{551D39B4-8C77-DA28-2CC4-795D2ABB201B}"/>
+                <a16:creationId xmlns:a16="http://schemas.microsoft.com/office/drawing/2014/main" id="{2360B74F-B7C0-F21E-2BBA-0F77A50EAEA1}"/>
               </a:ext>
             </a:extLst>
           </p:cNvPr>
@@ -377,7 +377,7 @@
           <p:cNvPr id="3" name="竖排文字占位符 2">
             <a:extLst>
               <a:ext uri="{FF2B5EF4-FFF2-40B4-BE49-F238E27FC236}">
-                <a16:creationId xmlns:a16="http://schemas.microsoft.com/office/drawing/2014/main" id="{AB4C2E50-C4B1-DFB8-859C-40CA90732EA3}"/>
+                <a16:creationId xmlns:a16="http://schemas.microsoft.com/office/drawing/2014/main" id="{A90F1B1A-F69B-4833-E813-AAC289D49C82}"/>
               </a:ext>
             </a:extLst>
           </p:cNvPr>
@@ -434,7 +434,7 @@
           <p:cNvPr id="4" name="日期占位符 3">
             <a:extLst>
               <a:ext uri="{FF2B5EF4-FFF2-40B4-BE49-F238E27FC236}">
-                <a16:creationId xmlns:a16="http://schemas.microsoft.com/office/drawing/2014/main" id="{3983EDE9-3B2D-9211-98FD-7EC6F7F05C0A}"/>
+                <a16:creationId xmlns:a16="http://schemas.microsoft.com/office/drawing/2014/main" id="{ADE40D0B-F07B-AF17-7B44-D509BD678487}"/>
               </a:ext>
             </a:extLst>
           </p:cNvPr>
@@ -450,7 +450,7 @@
           <a:bodyPr/>
           <a:lstStyle/>
           <a:p>
-            <a:fld id="{1A49AA80-3605-4952-8D35-2671546BDD69}" type="datetimeFigureOut">
+            <a:fld id="{0BEA3221-A97C-4BA6-AF00-0617ADDB30D6}" type="datetimeFigureOut">
               <a:rPr lang="zh-CN" altLang="en-US" smtClean="0"/>
               <a:t>2024/3/10</a:t>
             </a:fld>
@@ -463,7 +463,7 @@
           <p:cNvPr id="5" name="页脚占位符 4">
             <a:extLst>
               <a:ext uri="{FF2B5EF4-FFF2-40B4-BE49-F238E27FC236}">
-                <a16:creationId xmlns:a16="http://schemas.microsoft.com/office/drawing/2014/main" id="{912CC9F7-1D74-3C69-23E6-1EA1579ED4C5}"/>
+                <a16:creationId xmlns:a16="http://schemas.microsoft.com/office/drawing/2014/main" id="{A6E0335C-C41A-792E-77E7-65E702DCF8AF}"/>
               </a:ext>
             </a:extLst>
           </p:cNvPr>
@@ -488,7 +488,7 @@
           <p:cNvPr id="6" name="灯片编号占位符 5">
             <a:extLst>
               <a:ext uri="{FF2B5EF4-FFF2-40B4-BE49-F238E27FC236}">
-                <a16:creationId xmlns:a16="http://schemas.microsoft.com/office/drawing/2014/main" id="{F44C3510-F5CA-092B-AA19-D5F95BB12BB2}"/>
+                <a16:creationId xmlns:a16="http://schemas.microsoft.com/office/drawing/2014/main" id="{4BF8ACFB-0E6C-9E1E-A9A2-C68C9F707C28}"/>
               </a:ext>
             </a:extLst>
           </p:cNvPr>
@@ -504,7 +504,7 @@
           <a:bodyPr/>
           <a:lstStyle/>
           <a:p>
-            <a:fld id="{3B3255FA-0253-48C7-9EC7-1B4552A54AD6}" type="slidenum">
+            <a:fld id="{4954B409-10C6-4DB9-A72A-6A8C5201D6E1}" type="slidenum">
               <a:rPr lang="zh-CN" altLang="en-US" smtClean="0"/>
               <a:t>‹#›</a:t>
             </a:fld>
@@ -515,7 +515,7 @@
     </p:spTree>
     <p:extLst>
       <p:ext uri="{BB962C8B-B14F-4D97-AF65-F5344CB8AC3E}">
-        <p14:creationId xmlns:p14="http://schemas.microsoft.com/office/powerpoint/2010/main" val="309245477"/>
+        <p14:creationId xmlns:p14="http://schemas.microsoft.com/office/powerpoint/2010/main" val="867711330"/>
       </p:ext>
     </p:extLst>
   </p:cSld>
@@ -547,7 +547,7 @@
           <p:cNvPr id="2" name="竖排标题 1">
             <a:extLst>
               <a:ext uri="{FF2B5EF4-FFF2-40B4-BE49-F238E27FC236}">
-                <a16:creationId xmlns:a16="http://schemas.microsoft.com/office/drawing/2014/main" id="{8D80023D-5732-1AE1-4404-75546D411072}"/>
+                <a16:creationId xmlns:a16="http://schemas.microsoft.com/office/drawing/2014/main" id="{C0876C76-5DF7-4A7B-CDF9-B44A65016DC1}"/>
               </a:ext>
             </a:extLst>
           </p:cNvPr>
@@ -580,7 +580,7 @@
           <p:cNvPr id="3" name="竖排文字占位符 2">
             <a:extLst>
               <a:ext uri="{FF2B5EF4-FFF2-40B4-BE49-F238E27FC236}">
-                <a16:creationId xmlns:a16="http://schemas.microsoft.com/office/drawing/2014/main" id="{34E8B434-F558-9CA2-6CC5-20C0964EB6E9}"/>
+                <a16:creationId xmlns:a16="http://schemas.microsoft.com/office/drawing/2014/main" id="{A3B88FB7-9735-A512-38B2-2B6396E20BC5}"/>
               </a:ext>
             </a:extLst>
           </p:cNvPr>
@@ -642,7 +642,7 @@
           <p:cNvPr id="4" name="日期占位符 3">
             <a:extLst>
               <a:ext uri="{FF2B5EF4-FFF2-40B4-BE49-F238E27FC236}">
-                <a16:creationId xmlns:a16="http://schemas.microsoft.com/office/drawing/2014/main" id="{6DD89F3D-048B-CCD0-7A5D-0AD3F7AB6894}"/>
+                <a16:creationId xmlns:a16="http://schemas.microsoft.com/office/drawing/2014/main" id="{D2821FB3-0200-EF04-BEBE-8F932EB399C8}"/>
               </a:ext>
             </a:extLst>
           </p:cNvPr>
@@ -658,7 +658,7 @@
           <a:bodyPr/>
           <a:lstStyle/>
           <a:p>
-            <a:fld id="{1A49AA80-3605-4952-8D35-2671546BDD69}" type="datetimeFigureOut">
+            <a:fld id="{0BEA3221-A97C-4BA6-AF00-0617ADDB30D6}" type="datetimeFigureOut">
               <a:rPr lang="zh-CN" altLang="en-US" smtClean="0"/>
               <a:t>2024/3/10</a:t>
             </a:fld>
@@ -671,7 +671,7 @@
           <p:cNvPr id="5" name="页脚占位符 4">
             <a:extLst>
               <a:ext uri="{FF2B5EF4-FFF2-40B4-BE49-F238E27FC236}">
-                <a16:creationId xmlns:a16="http://schemas.microsoft.com/office/drawing/2014/main" id="{78DD4081-AEB5-CF27-61DC-B734A501D154}"/>
+                <a16:creationId xmlns:a16="http://schemas.microsoft.com/office/drawing/2014/main" id="{155F359E-D320-595C-11B7-0364C4B6335C}"/>
               </a:ext>
             </a:extLst>
           </p:cNvPr>
@@ -696,7 +696,7 @@
           <p:cNvPr id="6" name="灯片编号占位符 5">
             <a:extLst>
               <a:ext uri="{FF2B5EF4-FFF2-40B4-BE49-F238E27FC236}">
-                <a16:creationId xmlns:a16="http://schemas.microsoft.com/office/drawing/2014/main" id="{84240744-F8D8-CDBC-0AE9-7E1A205AE736}"/>
+                <a16:creationId xmlns:a16="http://schemas.microsoft.com/office/drawing/2014/main" id="{497805A3-D493-2E65-FB82-C144029C6914}"/>
               </a:ext>
             </a:extLst>
           </p:cNvPr>
@@ -712,7 +712,7 @@
           <a:bodyPr/>
           <a:lstStyle/>
           <a:p>
-            <a:fld id="{3B3255FA-0253-48C7-9EC7-1B4552A54AD6}" type="slidenum">
+            <a:fld id="{4954B409-10C6-4DB9-A72A-6A8C5201D6E1}" type="slidenum">
               <a:rPr lang="zh-CN" altLang="en-US" smtClean="0"/>
               <a:t>‹#›</a:t>
             </a:fld>
@@ -723,7 +723,7 @@
     </p:spTree>
     <p:extLst>
       <p:ext uri="{BB962C8B-B14F-4D97-AF65-F5344CB8AC3E}">
-        <p14:creationId xmlns:p14="http://schemas.microsoft.com/office/powerpoint/2010/main" val="844434631"/>
+        <p14:creationId xmlns:p14="http://schemas.microsoft.com/office/powerpoint/2010/main" val="1446707169"/>
       </p:ext>
     </p:extLst>
   </p:cSld>
@@ -755,7 +755,7 @@
           <p:cNvPr id="2" name="标题 1">
             <a:extLst>
               <a:ext uri="{FF2B5EF4-FFF2-40B4-BE49-F238E27FC236}">
-                <a16:creationId xmlns:a16="http://schemas.microsoft.com/office/drawing/2014/main" id="{D146E663-AE7D-43E2-1CCA-64FA4A51E342}"/>
+                <a16:creationId xmlns:a16="http://schemas.microsoft.com/office/drawing/2014/main" id="{11630914-C1BB-D60E-C2D8-621F35B0A81D}"/>
               </a:ext>
             </a:extLst>
           </p:cNvPr>
@@ -783,7 +783,7 @@
           <p:cNvPr id="3" name="内容占位符 2">
             <a:extLst>
               <a:ext uri="{FF2B5EF4-FFF2-40B4-BE49-F238E27FC236}">
-                <a16:creationId xmlns:a16="http://schemas.microsoft.com/office/drawing/2014/main" id="{6D2A57A3-FA14-96AC-095C-34E3001440B4}"/>
+                <a16:creationId xmlns:a16="http://schemas.microsoft.com/office/drawing/2014/main" id="{68040FC1-8667-1E56-DFFC-3C4DEFFE1AF0}"/>
               </a:ext>
             </a:extLst>
           </p:cNvPr>
@@ -840,7 +840,7 @@
           <p:cNvPr id="4" name="日期占位符 3">
             <a:extLst>
               <a:ext uri="{FF2B5EF4-FFF2-40B4-BE49-F238E27FC236}">
-                <a16:creationId xmlns:a16="http://schemas.microsoft.com/office/drawing/2014/main" id="{17BA2856-7DAA-E7EE-24BB-2C0C37278BCE}"/>
+                <a16:creationId xmlns:a16="http://schemas.microsoft.com/office/drawing/2014/main" id="{CEE529B7-7378-FA02-6630-B7CB58304BB3}"/>
               </a:ext>
             </a:extLst>
           </p:cNvPr>
@@ -856,7 +856,7 @@
           <a:bodyPr/>
           <a:lstStyle/>
           <a:p>
-            <a:fld id="{1A49AA80-3605-4952-8D35-2671546BDD69}" type="datetimeFigureOut">
+            <a:fld id="{0BEA3221-A97C-4BA6-AF00-0617ADDB30D6}" type="datetimeFigureOut">
               <a:rPr lang="zh-CN" altLang="en-US" smtClean="0"/>
               <a:t>2024/3/10</a:t>
             </a:fld>
@@ -869,7 +869,7 @@
           <p:cNvPr id="5" name="页脚占位符 4">
             <a:extLst>
               <a:ext uri="{FF2B5EF4-FFF2-40B4-BE49-F238E27FC236}">
-                <a16:creationId xmlns:a16="http://schemas.microsoft.com/office/drawing/2014/main" id="{F4BE9B23-EECB-513F-75ED-DA9C11BDF621}"/>
+                <a16:creationId xmlns:a16="http://schemas.microsoft.com/office/drawing/2014/main" id="{D2D5692E-B5EA-3C6B-2DA8-91F3B8BD2256}"/>
               </a:ext>
             </a:extLst>
           </p:cNvPr>
@@ -894,7 +894,7 @@
           <p:cNvPr id="6" name="灯片编号占位符 5">
             <a:extLst>
               <a:ext uri="{FF2B5EF4-FFF2-40B4-BE49-F238E27FC236}">
-                <a16:creationId xmlns:a16="http://schemas.microsoft.com/office/drawing/2014/main" id="{85862498-0E5F-7830-02ED-74A549D37355}"/>
+                <a16:creationId xmlns:a16="http://schemas.microsoft.com/office/drawing/2014/main" id="{B8EF0211-9CE7-6329-1E5A-022E41EE0CDA}"/>
               </a:ext>
             </a:extLst>
           </p:cNvPr>
@@ -910,7 +910,7 @@
           <a:bodyPr/>
           <a:lstStyle/>
           <a:p>
-            <a:fld id="{3B3255FA-0253-48C7-9EC7-1B4552A54AD6}" type="slidenum">
+            <a:fld id="{4954B409-10C6-4DB9-A72A-6A8C5201D6E1}" type="slidenum">
               <a:rPr lang="zh-CN" altLang="en-US" smtClean="0"/>
               <a:t>‹#›</a:t>
             </a:fld>
@@ -921,7 +921,7 @@
     </p:spTree>
     <p:extLst>
       <p:ext uri="{BB962C8B-B14F-4D97-AF65-F5344CB8AC3E}">
-        <p14:creationId xmlns:p14="http://schemas.microsoft.com/office/powerpoint/2010/main" val="921339642"/>
+        <p14:creationId xmlns:p14="http://schemas.microsoft.com/office/powerpoint/2010/main" val="3902587933"/>
       </p:ext>
     </p:extLst>
   </p:cSld>
@@ -953,7 +953,7 @@
           <p:cNvPr id="2" name="标题 1">
             <a:extLst>
               <a:ext uri="{FF2B5EF4-FFF2-40B4-BE49-F238E27FC236}">
-                <a16:creationId xmlns:a16="http://schemas.microsoft.com/office/drawing/2014/main" id="{4314BFFB-307B-B5D0-1B07-0C50A96ABB19}"/>
+                <a16:creationId xmlns:a16="http://schemas.microsoft.com/office/drawing/2014/main" id="{BA966F7D-B69C-3ADF-1D5F-A27A35C70DE2}"/>
               </a:ext>
             </a:extLst>
           </p:cNvPr>
@@ -990,7 +990,7 @@
           <p:cNvPr id="3" name="文本占位符 2">
             <a:extLst>
               <a:ext uri="{FF2B5EF4-FFF2-40B4-BE49-F238E27FC236}">
-                <a16:creationId xmlns:a16="http://schemas.microsoft.com/office/drawing/2014/main" id="{AE02CCDE-64CB-0682-00D1-645BBCB318D0}"/>
+                <a16:creationId xmlns:a16="http://schemas.microsoft.com/office/drawing/2014/main" id="{FAB93730-E5F9-2109-AB6D-E62B9CED4AF8}"/>
               </a:ext>
             </a:extLst>
           </p:cNvPr>
@@ -1115,7 +1115,7 @@
           <p:cNvPr id="4" name="日期占位符 3">
             <a:extLst>
               <a:ext uri="{FF2B5EF4-FFF2-40B4-BE49-F238E27FC236}">
-                <a16:creationId xmlns:a16="http://schemas.microsoft.com/office/drawing/2014/main" id="{A48020F6-765E-EF5F-A28A-6AF307710AD7}"/>
+                <a16:creationId xmlns:a16="http://schemas.microsoft.com/office/drawing/2014/main" id="{91A86FC1-D86E-C97D-02BC-388C2FBF6B00}"/>
               </a:ext>
             </a:extLst>
           </p:cNvPr>
@@ -1131,7 +1131,7 @@
           <a:bodyPr/>
           <a:lstStyle/>
           <a:p>
-            <a:fld id="{1A49AA80-3605-4952-8D35-2671546BDD69}" type="datetimeFigureOut">
+            <a:fld id="{0BEA3221-A97C-4BA6-AF00-0617ADDB30D6}" type="datetimeFigureOut">
               <a:rPr lang="zh-CN" altLang="en-US" smtClean="0"/>
               <a:t>2024/3/10</a:t>
             </a:fld>
@@ -1144,7 +1144,7 @@
           <p:cNvPr id="5" name="页脚占位符 4">
             <a:extLst>
               <a:ext uri="{FF2B5EF4-FFF2-40B4-BE49-F238E27FC236}">
-                <a16:creationId xmlns:a16="http://schemas.microsoft.com/office/drawing/2014/main" id="{82C97311-F4B1-D119-4C4E-F8638CE02C6C}"/>
+                <a16:creationId xmlns:a16="http://schemas.microsoft.com/office/drawing/2014/main" id="{2F6CF786-69C8-8189-D6B6-0DA62BC0DA1A}"/>
               </a:ext>
             </a:extLst>
           </p:cNvPr>
@@ -1169,7 +1169,7 @@
           <p:cNvPr id="6" name="灯片编号占位符 5">
             <a:extLst>
               <a:ext uri="{FF2B5EF4-FFF2-40B4-BE49-F238E27FC236}">
-                <a16:creationId xmlns:a16="http://schemas.microsoft.com/office/drawing/2014/main" id="{8A7AB772-3FE9-835B-34BC-A9755278A32D}"/>
+                <a16:creationId xmlns:a16="http://schemas.microsoft.com/office/drawing/2014/main" id="{3D8BB2B2-4A0C-2A6F-4B95-1146A04AEDED}"/>
               </a:ext>
             </a:extLst>
           </p:cNvPr>
@@ -1185,7 +1185,7 @@
           <a:bodyPr/>
           <a:lstStyle/>
           <a:p>
-            <a:fld id="{3B3255FA-0253-48C7-9EC7-1B4552A54AD6}" type="slidenum">
+            <a:fld id="{4954B409-10C6-4DB9-A72A-6A8C5201D6E1}" type="slidenum">
               <a:rPr lang="zh-CN" altLang="en-US" smtClean="0"/>
               <a:t>‹#›</a:t>
             </a:fld>
@@ -1196,7 +1196,7 @@
     </p:spTree>
     <p:extLst>
       <p:ext uri="{BB962C8B-B14F-4D97-AF65-F5344CB8AC3E}">
-        <p14:creationId xmlns:p14="http://schemas.microsoft.com/office/powerpoint/2010/main" val="3097797279"/>
+        <p14:creationId xmlns:p14="http://schemas.microsoft.com/office/powerpoint/2010/main" val="49273382"/>
       </p:ext>
     </p:extLst>
   </p:cSld>
@@ -1228,7 +1228,7 @@
           <p:cNvPr id="2" name="标题 1">
             <a:extLst>
               <a:ext uri="{FF2B5EF4-FFF2-40B4-BE49-F238E27FC236}">
-                <a16:creationId xmlns:a16="http://schemas.microsoft.com/office/drawing/2014/main" id="{599229F3-D7FC-6AF6-4BCD-6BE1BDBA1AF6}"/>
+                <a16:creationId xmlns:a16="http://schemas.microsoft.com/office/drawing/2014/main" id="{CAAEA597-8A15-92BD-654E-21CB1EFD30A5}"/>
               </a:ext>
             </a:extLst>
           </p:cNvPr>
@@ -1256,7 +1256,7 @@
           <p:cNvPr id="3" name="内容占位符 2">
             <a:extLst>
               <a:ext uri="{FF2B5EF4-FFF2-40B4-BE49-F238E27FC236}">
-                <a16:creationId xmlns:a16="http://schemas.microsoft.com/office/drawing/2014/main" id="{E5201CE0-E7EA-BAFD-4CC6-394CF2D5C487}"/>
+                <a16:creationId xmlns:a16="http://schemas.microsoft.com/office/drawing/2014/main" id="{DA6507C7-2267-3418-3341-C539EC1F8CB2}"/>
               </a:ext>
             </a:extLst>
           </p:cNvPr>
@@ -1318,7 +1318,7 @@
           <p:cNvPr id="4" name="内容占位符 3">
             <a:extLst>
               <a:ext uri="{FF2B5EF4-FFF2-40B4-BE49-F238E27FC236}">
-                <a16:creationId xmlns:a16="http://schemas.microsoft.com/office/drawing/2014/main" id="{3067EABE-1FC8-6750-ABF0-562E37CF501B}"/>
+                <a16:creationId xmlns:a16="http://schemas.microsoft.com/office/drawing/2014/main" id="{8D7AD2B5-3564-7122-7A3C-9E3F76658A15}"/>
               </a:ext>
             </a:extLst>
           </p:cNvPr>
@@ -1380,7 +1380,7 @@
           <p:cNvPr id="5" name="日期占位符 4">
             <a:extLst>
               <a:ext uri="{FF2B5EF4-FFF2-40B4-BE49-F238E27FC236}">
-                <a16:creationId xmlns:a16="http://schemas.microsoft.com/office/drawing/2014/main" id="{1EBA88AD-DC2E-386E-72FA-D12A45E34492}"/>
+                <a16:creationId xmlns:a16="http://schemas.microsoft.com/office/drawing/2014/main" id="{FCF9E6BB-E864-A704-E7AF-842352BB0A2E}"/>
               </a:ext>
             </a:extLst>
           </p:cNvPr>
@@ -1396,7 +1396,7 @@
           <a:bodyPr/>
           <a:lstStyle/>
           <a:p>
-            <a:fld id="{1A49AA80-3605-4952-8D35-2671546BDD69}" type="datetimeFigureOut">
+            <a:fld id="{0BEA3221-A97C-4BA6-AF00-0617ADDB30D6}" type="datetimeFigureOut">
               <a:rPr lang="zh-CN" altLang="en-US" smtClean="0"/>
               <a:t>2024/3/10</a:t>
             </a:fld>
@@ -1409,7 +1409,7 @@
           <p:cNvPr id="6" name="页脚占位符 5">
             <a:extLst>
               <a:ext uri="{FF2B5EF4-FFF2-40B4-BE49-F238E27FC236}">
-                <a16:creationId xmlns:a16="http://schemas.microsoft.com/office/drawing/2014/main" id="{160FDD20-C92F-BD81-DEFB-468E110970D4}"/>
+                <a16:creationId xmlns:a16="http://schemas.microsoft.com/office/drawing/2014/main" id="{6CF47BAE-44DD-4EBA-6BA6-968DDF787BF0}"/>
               </a:ext>
             </a:extLst>
           </p:cNvPr>
@@ -1434,7 +1434,7 @@
           <p:cNvPr id="7" name="灯片编号占位符 6">
             <a:extLst>
               <a:ext uri="{FF2B5EF4-FFF2-40B4-BE49-F238E27FC236}">
-                <a16:creationId xmlns:a16="http://schemas.microsoft.com/office/drawing/2014/main" id="{D190385E-20EA-72A5-9F3A-FC82BECFD64A}"/>
+                <a16:creationId xmlns:a16="http://schemas.microsoft.com/office/drawing/2014/main" id="{EBF22C07-25DC-98DF-178D-1620C49056B0}"/>
               </a:ext>
             </a:extLst>
           </p:cNvPr>
@@ -1450,7 +1450,7 @@
           <a:bodyPr/>
           <a:lstStyle/>
           <a:p>
-            <a:fld id="{3B3255FA-0253-48C7-9EC7-1B4552A54AD6}" type="slidenum">
+            <a:fld id="{4954B409-10C6-4DB9-A72A-6A8C5201D6E1}" type="slidenum">
               <a:rPr lang="zh-CN" altLang="en-US" smtClean="0"/>
               <a:t>‹#›</a:t>
             </a:fld>
@@ -1461,7 +1461,7 @@
     </p:spTree>
     <p:extLst>
       <p:ext uri="{BB962C8B-B14F-4D97-AF65-F5344CB8AC3E}">
-        <p14:creationId xmlns:p14="http://schemas.microsoft.com/office/powerpoint/2010/main" val="1771203960"/>
+        <p14:creationId xmlns:p14="http://schemas.microsoft.com/office/powerpoint/2010/main" val="970905759"/>
       </p:ext>
     </p:extLst>
   </p:cSld>
@@ -1493,7 +1493,7 @@
           <p:cNvPr id="2" name="标题 1">
             <a:extLst>
               <a:ext uri="{FF2B5EF4-FFF2-40B4-BE49-F238E27FC236}">
-                <a16:creationId xmlns:a16="http://schemas.microsoft.com/office/drawing/2014/main" id="{3F5615D1-2F7C-069F-2625-A6FF7B98261F}"/>
+                <a16:creationId xmlns:a16="http://schemas.microsoft.com/office/drawing/2014/main" id="{34D4865F-E9BB-CF61-87FA-70167C225C38}"/>
               </a:ext>
             </a:extLst>
           </p:cNvPr>
@@ -1526,7 +1526,7 @@
           <p:cNvPr id="3" name="文本占位符 2">
             <a:extLst>
               <a:ext uri="{FF2B5EF4-FFF2-40B4-BE49-F238E27FC236}">
-                <a16:creationId xmlns:a16="http://schemas.microsoft.com/office/drawing/2014/main" id="{54B9B6D0-1516-8A34-2ED4-7D344E72CE80}"/>
+                <a16:creationId xmlns:a16="http://schemas.microsoft.com/office/drawing/2014/main" id="{DAA67E30-CB96-FFA3-28B4-D7791C359680}"/>
               </a:ext>
             </a:extLst>
           </p:cNvPr>
@@ -1597,7 +1597,7 @@
           <p:cNvPr id="4" name="内容占位符 3">
             <a:extLst>
               <a:ext uri="{FF2B5EF4-FFF2-40B4-BE49-F238E27FC236}">
-                <a16:creationId xmlns:a16="http://schemas.microsoft.com/office/drawing/2014/main" id="{F498CD5A-818F-FA1F-8B75-78F2DF7BE949}"/>
+                <a16:creationId xmlns:a16="http://schemas.microsoft.com/office/drawing/2014/main" id="{E565B388-5668-F7CD-936E-2EDD7568A426}"/>
               </a:ext>
             </a:extLst>
           </p:cNvPr>
@@ -1659,7 +1659,7 @@
           <p:cNvPr id="5" name="文本占位符 4">
             <a:extLst>
               <a:ext uri="{FF2B5EF4-FFF2-40B4-BE49-F238E27FC236}">
-                <a16:creationId xmlns:a16="http://schemas.microsoft.com/office/drawing/2014/main" id="{CFFC61DE-BAF1-9B10-B13D-89437CBB18EB}"/>
+                <a16:creationId xmlns:a16="http://schemas.microsoft.com/office/drawing/2014/main" id="{6EB7BB24-51C5-D9B1-18E7-DC994D3FC823}"/>
               </a:ext>
             </a:extLst>
           </p:cNvPr>
@@ -1730,7 +1730,7 @@
           <p:cNvPr id="6" name="内容占位符 5">
             <a:extLst>
               <a:ext uri="{FF2B5EF4-FFF2-40B4-BE49-F238E27FC236}">
-                <a16:creationId xmlns:a16="http://schemas.microsoft.com/office/drawing/2014/main" id="{E7534EDF-A91A-39D3-27FE-E44C38049A51}"/>
+                <a16:creationId xmlns:a16="http://schemas.microsoft.com/office/drawing/2014/main" id="{74540DBC-3BC8-2BFA-6100-C6947D4BF23F}"/>
               </a:ext>
             </a:extLst>
           </p:cNvPr>
@@ -1792,7 +1792,7 @@
           <p:cNvPr id="7" name="日期占位符 6">
             <a:extLst>
               <a:ext uri="{FF2B5EF4-FFF2-40B4-BE49-F238E27FC236}">
-                <a16:creationId xmlns:a16="http://schemas.microsoft.com/office/drawing/2014/main" id="{595190A6-2F10-E0E6-5987-5F3C5328E9B3}"/>
+                <a16:creationId xmlns:a16="http://schemas.microsoft.com/office/drawing/2014/main" id="{8025A1CE-A137-54D3-06F2-266BD25C2C7A}"/>
               </a:ext>
             </a:extLst>
           </p:cNvPr>
@@ -1808,7 +1808,7 @@
           <a:bodyPr/>
           <a:lstStyle/>
           <a:p>
-            <a:fld id="{1A49AA80-3605-4952-8D35-2671546BDD69}" type="datetimeFigureOut">
+            <a:fld id="{0BEA3221-A97C-4BA6-AF00-0617ADDB30D6}" type="datetimeFigureOut">
               <a:rPr lang="zh-CN" altLang="en-US" smtClean="0"/>
               <a:t>2024/3/10</a:t>
             </a:fld>
@@ -1821,7 +1821,7 @@
           <p:cNvPr id="8" name="页脚占位符 7">
             <a:extLst>
               <a:ext uri="{FF2B5EF4-FFF2-40B4-BE49-F238E27FC236}">
-                <a16:creationId xmlns:a16="http://schemas.microsoft.com/office/drawing/2014/main" id="{C7AE77FF-FAE5-A5CF-70DA-72AF63E50E3F}"/>
+                <a16:creationId xmlns:a16="http://schemas.microsoft.com/office/drawing/2014/main" id="{C99C1641-17E0-F2C6-B92E-3D648804148D}"/>
               </a:ext>
             </a:extLst>
           </p:cNvPr>
@@ -1846,7 +1846,7 @@
           <p:cNvPr id="9" name="灯片编号占位符 8">
             <a:extLst>
               <a:ext uri="{FF2B5EF4-FFF2-40B4-BE49-F238E27FC236}">
-                <a16:creationId xmlns:a16="http://schemas.microsoft.com/office/drawing/2014/main" id="{4F9EF9CE-C175-A00F-CB7D-B7BE261DDCA3}"/>
+                <a16:creationId xmlns:a16="http://schemas.microsoft.com/office/drawing/2014/main" id="{EBA27AAB-10C5-E45A-D71A-B0E454408421}"/>
               </a:ext>
             </a:extLst>
           </p:cNvPr>
@@ -1862,7 +1862,7 @@
           <a:bodyPr/>
           <a:lstStyle/>
           <a:p>
-            <a:fld id="{3B3255FA-0253-48C7-9EC7-1B4552A54AD6}" type="slidenum">
+            <a:fld id="{4954B409-10C6-4DB9-A72A-6A8C5201D6E1}" type="slidenum">
               <a:rPr lang="zh-CN" altLang="en-US" smtClean="0"/>
               <a:t>‹#›</a:t>
             </a:fld>
@@ -1873,7 +1873,7 @@
     </p:spTree>
     <p:extLst>
       <p:ext uri="{BB962C8B-B14F-4D97-AF65-F5344CB8AC3E}">
-        <p14:creationId xmlns:p14="http://schemas.microsoft.com/office/powerpoint/2010/main" val="3761062964"/>
+        <p14:creationId xmlns:p14="http://schemas.microsoft.com/office/powerpoint/2010/main" val="502088822"/>
       </p:ext>
     </p:extLst>
   </p:cSld>
@@ -1905,7 +1905,7 @@
           <p:cNvPr id="2" name="标题 1">
             <a:extLst>
               <a:ext uri="{FF2B5EF4-FFF2-40B4-BE49-F238E27FC236}">
-                <a16:creationId xmlns:a16="http://schemas.microsoft.com/office/drawing/2014/main" id="{3973AA62-13DC-EB91-EAB1-9EE13FF6A225}"/>
+                <a16:creationId xmlns:a16="http://schemas.microsoft.com/office/drawing/2014/main" id="{64EBFBBC-BBEB-E392-BF83-9AA744BDDC65}"/>
               </a:ext>
             </a:extLst>
           </p:cNvPr>
@@ -1933,7 +1933,7 @@
           <p:cNvPr id="3" name="日期占位符 2">
             <a:extLst>
               <a:ext uri="{FF2B5EF4-FFF2-40B4-BE49-F238E27FC236}">
-                <a16:creationId xmlns:a16="http://schemas.microsoft.com/office/drawing/2014/main" id="{D7486726-67E8-362F-23F7-8B90412830FA}"/>
+                <a16:creationId xmlns:a16="http://schemas.microsoft.com/office/drawing/2014/main" id="{C0097125-AB1D-9CB8-7C90-D45D28AD5D51}"/>
               </a:ext>
             </a:extLst>
           </p:cNvPr>
@@ -1949,7 +1949,7 @@
           <a:bodyPr/>
           <a:lstStyle/>
           <a:p>
-            <a:fld id="{1A49AA80-3605-4952-8D35-2671546BDD69}" type="datetimeFigureOut">
+            <a:fld id="{0BEA3221-A97C-4BA6-AF00-0617ADDB30D6}" type="datetimeFigureOut">
               <a:rPr lang="zh-CN" altLang="en-US" smtClean="0"/>
               <a:t>2024/3/10</a:t>
             </a:fld>
@@ -1962,7 +1962,7 @@
           <p:cNvPr id="4" name="页脚占位符 3">
             <a:extLst>
               <a:ext uri="{FF2B5EF4-FFF2-40B4-BE49-F238E27FC236}">
-                <a16:creationId xmlns:a16="http://schemas.microsoft.com/office/drawing/2014/main" id="{FFB37B55-151E-EC5B-C01A-B2A02A9B2D39}"/>
+                <a16:creationId xmlns:a16="http://schemas.microsoft.com/office/drawing/2014/main" id="{B874A8A3-CF8C-984B-AB01-62D11322227D}"/>
               </a:ext>
             </a:extLst>
           </p:cNvPr>
@@ -1987,7 +1987,7 @@
           <p:cNvPr id="5" name="灯片编号占位符 4">
             <a:extLst>
               <a:ext uri="{FF2B5EF4-FFF2-40B4-BE49-F238E27FC236}">
-                <a16:creationId xmlns:a16="http://schemas.microsoft.com/office/drawing/2014/main" id="{C1217C49-4C74-A3EE-4A00-C630F8FCBB32}"/>
+                <a16:creationId xmlns:a16="http://schemas.microsoft.com/office/drawing/2014/main" id="{DB24802F-55E0-AA06-80E6-09703E0811D2}"/>
               </a:ext>
             </a:extLst>
           </p:cNvPr>
@@ -2003,7 +2003,7 @@
           <a:bodyPr/>
           <a:lstStyle/>
           <a:p>
-            <a:fld id="{3B3255FA-0253-48C7-9EC7-1B4552A54AD6}" type="slidenum">
+            <a:fld id="{4954B409-10C6-4DB9-A72A-6A8C5201D6E1}" type="slidenum">
               <a:rPr lang="zh-CN" altLang="en-US" smtClean="0"/>
               <a:t>‹#›</a:t>
             </a:fld>
@@ -2014,7 +2014,7 @@
     </p:spTree>
     <p:extLst>
       <p:ext uri="{BB962C8B-B14F-4D97-AF65-F5344CB8AC3E}">
-        <p14:creationId xmlns:p14="http://schemas.microsoft.com/office/powerpoint/2010/main" val="1728391924"/>
+        <p14:creationId xmlns:p14="http://schemas.microsoft.com/office/powerpoint/2010/main" val="3660895580"/>
       </p:ext>
     </p:extLst>
   </p:cSld>
@@ -2046,7 +2046,7 @@
           <p:cNvPr id="2" name="日期占位符 1">
             <a:extLst>
               <a:ext uri="{FF2B5EF4-FFF2-40B4-BE49-F238E27FC236}">
-                <a16:creationId xmlns:a16="http://schemas.microsoft.com/office/drawing/2014/main" id="{4C8F40BD-65FE-9317-2A82-7F3B4173C177}"/>
+                <a16:creationId xmlns:a16="http://schemas.microsoft.com/office/drawing/2014/main" id="{A521E695-28EC-6A89-51C9-56D2A6174929}"/>
               </a:ext>
             </a:extLst>
           </p:cNvPr>
@@ -2062,7 +2062,7 @@
           <a:bodyPr/>
           <a:lstStyle/>
           <a:p>
-            <a:fld id="{1A49AA80-3605-4952-8D35-2671546BDD69}" type="datetimeFigureOut">
+            <a:fld id="{0BEA3221-A97C-4BA6-AF00-0617ADDB30D6}" type="datetimeFigureOut">
               <a:rPr lang="zh-CN" altLang="en-US" smtClean="0"/>
               <a:t>2024/3/10</a:t>
             </a:fld>
@@ -2075,7 +2075,7 @@
           <p:cNvPr id="3" name="页脚占位符 2">
             <a:extLst>
               <a:ext uri="{FF2B5EF4-FFF2-40B4-BE49-F238E27FC236}">
-                <a16:creationId xmlns:a16="http://schemas.microsoft.com/office/drawing/2014/main" id="{86744D8A-5DF2-7EA2-3453-0A2F1F6B8034}"/>
+                <a16:creationId xmlns:a16="http://schemas.microsoft.com/office/drawing/2014/main" id="{A0F85D92-2AB6-5201-BD11-29D9089D22BB}"/>
               </a:ext>
             </a:extLst>
           </p:cNvPr>
@@ -2100,7 +2100,7 @@
           <p:cNvPr id="4" name="灯片编号占位符 3">
             <a:extLst>
               <a:ext uri="{FF2B5EF4-FFF2-40B4-BE49-F238E27FC236}">
-                <a16:creationId xmlns:a16="http://schemas.microsoft.com/office/drawing/2014/main" id="{35E74A69-1E1D-2124-4280-CE9569D408BB}"/>
+                <a16:creationId xmlns:a16="http://schemas.microsoft.com/office/drawing/2014/main" id="{A92DF342-599A-A975-C4B1-EE1C6BAC1CFA}"/>
               </a:ext>
             </a:extLst>
           </p:cNvPr>
@@ -2116,7 +2116,7 @@
           <a:bodyPr/>
           <a:lstStyle/>
           <a:p>
-            <a:fld id="{3B3255FA-0253-48C7-9EC7-1B4552A54AD6}" type="slidenum">
+            <a:fld id="{4954B409-10C6-4DB9-A72A-6A8C5201D6E1}" type="slidenum">
               <a:rPr lang="zh-CN" altLang="en-US" smtClean="0"/>
               <a:t>‹#›</a:t>
             </a:fld>
@@ -2127,7 +2127,7 @@
     </p:spTree>
     <p:extLst>
       <p:ext uri="{BB962C8B-B14F-4D97-AF65-F5344CB8AC3E}">
-        <p14:creationId xmlns:p14="http://schemas.microsoft.com/office/powerpoint/2010/main" val="4104172675"/>
+        <p14:creationId xmlns:p14="http://schemas.microsoft.com/office/powerpoint/2010/main" val="1411463551"/>
       </p:ext>
     </p:extLst>
   </p:cSld>
@@ -2159,7 +2159,7 @@
           <p:cNvPr id="2" name="标题 1">
             <a:extLst>
               <a:ext uri="{FF2B5EF4-FFF2-40B4-BE49-F238E27FC236}">
-                <a16:creationId xmlns:a16="http://schemas.microsoft.com/office/drawing/2014/main" id="{D4CC2757-97C6-5490-FC8D-E5BB17BC2058}"/>
+                <a16:creationId xmlns:a16="http://schemas.microsoft.com/office/drawing/2014/main" id="{67556806-9194-9332-7929-795703560BB3}"/>
               </a:ext>
             </a:extLst>
           </p:cNvPr>
@@ -2196,7 +2196,7 @@
           <p:cNvPr id="3" name="内容占位符 2">
             <a:extLst>
               <a:ext uri="{FF2B5EF4-FFF2-40B4-BE49-F238E27FC236}">
-                <a16:creationId xmlns:a16="http://schemas.microsoft.com/office/drawing/2014/main" id="{E32EBDB2-94B2-28AC-4FF8-37FCD625DEE1}"/>
+                <a16:creationId xmlns:a16="http://schemas.microsoft.com/office/drawing/2014/main" id="{3359F9B3-A0E6-C97C-FCEA-E75ECA09385F}"/>
               </a:ext>
             </a:extLst>
           </p:cNvPr>
@@ -2286,7 +2286,7 @@
           <p:cNvPr id="4" name="文本占位符 3">
             <a:extLst>
               <a:ext uri="{FF2B5EF4-FFF2-40B4-BE49-F238E27FC236}">
-                <a16:creationId xmlns:a16="http://schemas.microsoft.com/office/drawing/2014/main" id="{9FDC19A1-3347-C219-6A68-40F0603D854B}"/>
+                <a16:creationId xmlns:a16="http://schemas.microsoft.com/office/drawing/2014/main" id="{E47365E6-8245-5152-4ACA-0E81E2297F2E}"/>
               </a:ext>
             </a:extLst>
           </p:cNvPr>
@@ -2357,7 +2357,7 @@
           <p:cNvPr id="5" name="日期占位符 4">
             <a:extLst>
               <a:ext uri="{FF2B5EF4-FFF2-40B4-BE49-F238E27FC236}">
-                <a16:creationId xmlns:a16="http://schemas.microsoft.com/office/drawing/2014/main" id="{9852E161-AA4F-2668-1DDA-DF01ED9E7EEF}"/>
+                <a16:creationId xmlns:a16="http://schemas.microsoft.com/office/drawing/2014/main" id="{E1E026DA-5552-9A94-511E-E975EDA2250C}"/>
               </a:ext>
             </a:extLst>
           </p:cNvPr>
@@ -2373,7 +2373,7 @@
           <a:bodyPr/>
           <a:lstStyle/>
           <a:p>
-            <a:fld id="{1A49AA80-3605-4952-8D35-2671546BDD69}" type="datetimeFigureOut">
+            <a:fld id="{0BEA3221-A97C-4BA6-AF00-0617ADDB30D6}" type="datetimeFigureOut">
               <a:rPr lang="zh-CN" altLang="en-US" smtClean="0"/>
               <a:t>2024/3/10</a:t>
             </a:fld>
@@ -2386,7 +2386,7 @@
           <p:cNvPr id="6" name="页脚占位符 5">
             <a:extLst>
               <a:ext uri="{FF2B5EF4-FFF2-40B4-BE49-F238E27FC236}">
-                <a16:creationId xmlns:a16="http://schemas.microsoft.com/office/drawing/2014/main" id="{D5AD4A70-B0F6-549D-E662-5AA604D2A11E}"/>
+                <a16:creationId xmlns:a16="http://schemas.microsoft.com/office/drawing/2014/main" id="{D58DFCCC-0E5A-1C56-ADB0-1DC7A2C0E171}"/>
               </a:ext>
             </a:extLst>
           </p:cNvPr>
@@ -2411,7 +2411,7 @@
           <p:cNvPr id="7" name="灯片编号占位符 6">
             <a:extLst>
               <a:ext uri="{FF2B5EF4-FFF2-40B4-BE49-F238E27FC236}">
-                <a16:creationId xmlns:a16="http://schemas.microsoft.com/office/drawing/2014/main" id="{840FD601-DDE0-81AD-F253-7F312F3ADC64}"/>
+                <a16:creationId xmlns:a16="http://schemas.microsoft.com/office/drawing/2014/main" id="{AC1366B0-6114-FEF3-1C16-C1EA4190A466}"/>
               </a:ext>
             </a:extLst>
           </p:cNvPr>
@@ -2427,7 +2427,7 @@
           <a:bodyPr/>
           <a:lstStyle/>
           <a:p>
-            <a:fld id="{3B3255FA-0253-48C7-9EC7-1B4552A54AD6}" type="slidenum">
+            <a:fld id="{4954B409-10C6-4DB9-A72A-6A8C5201D6E1}" type="slidenum">
               <a:rPr lang="zh-CN" altLang="en-US" smtClean="0"/>
               <a:t>‹#›</a:t>
             </a:fld>
@@ -2438,7 +2438,7 @@
     </p:spTree>
     <p:extLst>
       <p:ext uri="{BB962C8B-B14F-4D97-AF65-F5344CB8AC3E}">
-        <p14:creationId xmlns:p14="http://schemas.microsoft.com/office/powerpoint/2010/main" val="3792692736"/>
+        <p14:creationId xmlns:p14="http://schemas.microsoft.com/office/powerpoint/2010/main" val="711625739"/>
       </p:ext>
     </p:extLst>
   </p:cSld>
@@ -2470,7 +2470,7 @@
           <p:cNvPr id="2" name="标题 1">
             <a:extLst>
               <a:ext uri="{FF2B5EF4-FFF2-40B4-BE49-F238E27FC236}">
-                <a16:creationId xmlns:a16="http://schemas.microsoft.com/office/drawing/2014/main" id="{AF13BCF2-6250-C83F-A082-B40243894AA6}"/>
+                <a16:creationId xmlns:a16="http://schemas.microsoft.com/office/drawing/2014/main" id="{86732E08-4102-1F7C-6E98-4249BF0F8AE2}"/>
               </a:ext>
             </a:extLst>
           </p:cNvPr>
@@ -2507,7 +2507,7 @@
           <p:cNvPr id="3" name="图片占位符 2">
             <a:extLst>
               <a:ext uri="{FF2B5EF4-FFF2-40B4-BE49-F238E27FC236}">
-                <a16:creationId xmlns:a16="http://schemas.microsoft.com/office/drawing/2014/main" id="{C36785DB-6C9E-511D-F4D6-CC111BBA9850}"/>
+                <a16:creationId xmlns:a16="http://schemas.microsoft.com/office/drawing/2014/main" id="{EC300A2E-0D19-03B5-AA89-1055E5F62BEB}"/>
               </a:ext>
             </a:extLst>
           </p:cNvPr>
@@ -2574,7 +2574,7 @@
           <p:cNvPr id="4" name="文本占位符 3">
             <a:extLst>
               <a:ext uri="{FF2B5EF4-FFF2-40B4-BE49-F238E27FC236}">
-                <a16:creationId xmlns:a16="http://schemas.microsoft.com/office/drawing/2014/main" id="{82A866D2-1CCA-76D3-6F9A-030CCCD40208}"/>
+                <a16:creationId xmlns:a16="http://schemas.microsoft.com/office/drawing/2014/main" id="{EFCFFC86-3510-A075-4117-F1FE42EEE647}"/>
               </a:ext>
             </a:extLst>
           </p:cNvPr>
@@ -2645,7 +2645,7 @@
           <p:cNvPr id="5" name="日期占位符 4">
             <a:extLst>
               <a:ext uri="{FF2B5EF4-FFF2-40B4-BE49-F238E27FC236}">
-                <a16:creationId xmlns:a16="http://schemas.microsoft.com/office/drawing/2014/main" id="{3CE79CE3-0C45-C387-4EAE-EE4C4B7A5E92}"/>
+                <a16:creationId xmlns:a16="http://schemas.microsoft.com/office/drawing/2014/main" id="{7B244BA3-6803-571D-EE17-D91D73925118}"/>
               </a:ext>
             </a:extLst>
           </p:cNvPr>
@@ -2661,7 +2661,7 @@
           <a:bodyPr/>
           <a:lstStyle/>
           <a:p>
-            <a:fld id="{1A49AA80-3605-4952-8D35-2671546BDD69}" type="datetimeFigureOut">
+            <a:fld id="{0BEA3221-A97C-4BA6-AF00-0617ADDB30D6}" type="datetimeFigureOut">
               <a:rPr lang="zh-CN" altLang="en-US" smtClean="0"/>
               <a:t>2024/3/10</a:t>
             </a:fld>
@@ -2674,7 +2674,7 @@
           <p:cNvPr id="6" name="页脚占位符 5">
             <a:extLst>
               <a:ext uri="{FF2B5EF4-FFF2-40B4-BE49-F238E27FC236}">
-                <a16:creationId xmlns:a16="http://schemas.microsoft.com/office/drawing/2014/main" id="{C8C82160-2F5B-0688-F909-F657CFE5F9E9}"/>
+                <a16:creationId xmlns:a16="http://schemas.microsoft.com/office/drawing/2014/main" id="{3425AED0-DF0E-6035-EC3C-7946F6C6AFF8}"/>
               </a:ext>
             </a:extLst>
           </p:cNvPr>
@@ -2699,7 +2699,7 @@
           <p:cNvPr id="7" name="灯片编号占位符 6">
             <a:extLst>
               <a:ext uri="{FF2B5EF4-FFF2-40B4-BE49-F238E27FC236}">
-                <a16:creationId xmlns:a16="http://schemas.microsoft.com/office/drawing/2014/main" id="{DC8C3B0C-A279-4032-3DDB-E442B8E598D9}"/>
+                <a16:creationId xmlns:a16="http://schemas.microsoft.com/office/drawing/2014/main" id="{E46F4D45-F8F5-D69F-7FB9-E694CF6EFD08}"/>
               </a:ext>
             </a:extLst>
           </p:cNvPr>
@@ -2715,7 +2715,7 @@
           <a:bodyPr/>
           <a:lstStyle/>
           <a:p>
-            <a:fld id="{3B3255FA-0253-48C7-9EC7-1B4552A54AD6}" type="slidenum">
+            <a:fld id="{4954B409-10C6-4DB9-A72A-6A8C5201D6E1}" type="slidenum">
               <a:rPr lang="zh-CN" altLang="en-US" smtClean="0"/>
               <a:t>‹#›</a:t>
             </a:fld>
@@ -2726,7 +2726,7 @@
     </p:spTree>
     <p:extLst>
       <p:ext uri="{BB962C8B-B14F-4D97-AF65-F5344CB8AC3E}">
-        <p14:creationId xmlns:p14="http://schemas.microsoft.com/office/powerpoint/2010/main" val="382728154"/>
+        <p14:creationId xmlns:p14="http://schemas.microsoft.com/office/powerpoint/2010/main" val="1763414730"/>
       </p:ext>
     </p:extLst>
   </p:cSld>
@@ -2763,7 +2763,7 @@
           <p:cNvPr id="2" name="标题占位符 1">
             <a:extLst>
               <a:ext uri="{FF2B5EF4-FFF2-40B4-BE49-F238E27FC236}">
-                <a16:creationId xmlns:a16="http://schemas.microsoft.com/office/drawing/2014/main" id="{0E15800E-4D30-4061-1368-F4050BF6DC63}"/>
+                <a16:creationId xmlns:a16="http://schemas.microsoft.com/office/drawing/2014/main" id="{7947E05D-119D-B80F-5391-C7085D49BD94}"/>
               </a:ext>
             </a:extLst>
           </p:cNvPr>
@@ -2801,7 +2801,7 @@
           <p:cNvPr id="3" name="文本占位符 2">
             <a:extLst>
               <a:ext uri="{FF2B5EF4-FFF2-40B4-BE49-F238E27FC236}">
-                <a16:creationId xmlns:a16="http://schemas.microsoft.com/office/drawing/2014/main" id="{062C31DC-C587-1430-915F-9370C6B5F25D}"/>
+                <a16:creationId xmlns:a16="http://schemas.microsoft.com/office/drawing/2014/main" id="{15541C9F-505D-6FAF-F3B1-AC2BF6EE5309}"/>
               </a:ext>
             </a:extLst>
           </p:cNvPr>
@@ -2868,7 +2868,7 @@
           <p:cNvPr id="4" name="日期占位符 3">
             <a:extLst>
               <a:ext uri="{FF2B5EF4-FFF2-40B4-BE49-F238E27FC236}">
-                <a16:creationId xmlns:a16="http://schemas.microsoft.com/office/drawing/2014/main" id="{1BC3C723-F4D1-3422-786D-8E81C907BF72}"/>
+                <a16:creationId xmlns:a16="http://schemas.microsoft.com/office/drawing/2014/main" id="{BA29DDAE-0071-B6B4-6918-A253C5294A2C}"/>
               </a:ext>
             </a:extLst>
           </p:cNvPr>
@@ -2902,7 +2902,7 @@
             </a:lvl1pPr>
           </a:lstStyle>
           <a:p>
-            <a:fld id="{1A49AA80-3605-4952-8D35-2671546BDD69}" type="datetimeFigureOut">
+            <a:fld id="{0BEA3221-A97C-4BA6-AF00-0617ADDB30D6}" type="datetimeFigureOut">
               <a:rPr lang="zh-CN" altLang="en-US" smtClean="0"/>
               <a:t>2024/3/10</a:t>
             </a:fld>
@@ -2915,7 +2915,7 @@
           <p:cNvPr id="5" name="页脚占位符 4">
             <a:extLst>
               <a:ext uri="{FF2B5EF4-FFF2-40B4-BE49-F238E27FC236}">
-                <a16:creationId xmlns:a16="http://schemas.microsoft.com/office/drawing/2014/main" id="{22C5253F-0BE9-ADFB-EE91-C3D88347FC24}"/>
+                <a16:creationId xmlns:a16="http://schemas.microsoft.com/office/drawing/2014/main" id="{CD98EF3A-D938-DDEE-816B-002E2FBFBBA4}"/>
               </a:ext>
             </a:extLst>
           </p:cNvPr>
@@ -2958,7 +2958,7 @@
           <p:cNvPr id="6" name="灯片编号占位符 5">
             <a:extLst>
               <a:ext uri="{FF2B5EF4-FFF2-40B4-BE49-F238E27FC236}">
-                <a16:creationId xmlns:a16="http://schemas.microsoft.com/office/drawing/2014/main" id="{11FE4A19-251E-77D2-1221-19D98EEB9CEF}"/>
+                <a16:creationId xmlns:a16="http://schemas.microsoft.com/office/drawing/2014/main" id="{DE8EED51-BD03-8EFF-A33A-291CCD868ABD}"/>
               </a:ext>
             </a:extLst>
           </p:cNvPr>
@@ -2992,7 +2992,7 @@
             </a:lvl1pPr>
           </a:lstStyle>
           <a:p>
-            <a:fld id="{3B3255FA-0253-48C7-9EC7-1B4552A54AD6}" type="slidenum">
+            <a:fld id="{4954B409-10C6-4DB9-A72A-6A8C5201D6E1}" type="slidenum">
               <a:rPr lang="zh-CN" altLang="en-US" smtClean="0"/>
               <a:t>‹#›</a:t>
             </a:fld>
@@ -3003,7 +3003,7 @@
     </p:spTree>
     <p:extLst>
       <p:ext uri="{BB962C8B-B14F-4D97-AF65-F5344CB8AC3E}">
-        <p14:creationId xmlns:p14="http://schemas.microsoft.com/office/powerpoint/2010/main" val="502040910"/>
+        <p14:creationId xmlns:p14="http://schemas.microsoft.com/office/powerpoint/2010/main" val="4137074970"/>
       </p:ext>
     </p:extLst>
   </p:cSld>
